--- a/CalendarioAgo25/presentaciones/15_POO_Encapsulamiento.pptx
+++ b/CalendarioAgo25/presentaciones/15_POO_Encapsulamiento.pptx
@@ -5,17 +5,18 @@
     <p:sldMasterId id="2147483648" r:id="rId1"/>
   </p:sldMasterIdLst>
   <p:notesMasterIdLst>
-    <p:notesMasterId r:id="rId10"/>
+    <p:notesMasterId r:id="rId11"/>
   </p:notesMasterIdLst>
   <p:sldIdLst>
     <p:sldId id="293" r:id="rId2"/>
     <p:sldId id="646" r:id="rId3"/>
-    <p:sldId id="602" r:id="rId4"/>
-    <p:sldId id="603" r:id="rId5"/>
-    <p:sldId id="600" r:id="rId6"/>
-    <p:sldId id="605" r:id="rId7"/>
-    <p:sldId id="606" r:id="rId8"/>
-    <p:sldId id="282" r:id="rId9"/>
+    <p:sldId id="647" r:id="rId4"/>
+    <p:sldId id="602" r:id="rId5"/>
+    <p:sldId id="603" r:id="rId6"/>
+    <p:sldId id="600" r:id="rId7"/>
+    <p:sldId id="605" r:id="rId8"/>
+    <p:sldId id="606" r:id="rId9"/>
+    <p:sldId id="282" r:id="rId10"/>
   </p:sldIdLst>
   <p:sldSz cx="9144000" cy="6858000" type="screen4x3"/>
   <p:notesSz cx="6858000" cy="9144000"/>
@@ -133,6 +134,121 @@
 </p:presentation>
 </file>
 
+<file path=ppt/revisionInfo.xml><?xml version="1.0" encoding="utf-8"?>
+<p1510:revInfo xmlns:a="http://schemas.openxmlformats.org/drawingml/2006/main" xmlns:r="http://schemas.openxmlformats.org/officeDocument/2006/relationships" xmlns:p1510="http://schemas.microsoft.com/office/powerpoint/2015/10/main">
+  <p1510:revLst>
+    <p1510:client id="{86AEB7C5-80AB-46E3-8154-676F473301F4}" v="2" dt="2025-08-29T19:06:17.820"/>
+  </p1510:revLst>
+</p1510:revInfo>
+</file>
+
+<file path=ppt/changesInfos/changesInfo1.xml><?xml version="1.0" encoding="utf-8"?>
+<pc:chgInfo xmlns:a="http://schemas.openxmlformats.org/drawingml/2006/main" xmlns:r="http://schemas.openxmlformats.org/officeDocument/2006/relationships" xmlns:ac="http://schemas.microsoft.com/office/drawing/2013/main/command" xmlns:pc="http://schemas.microsoft.com/office/powerpoint/2013/main/command">
+  <pc:docChgLst>
+    <pc:chgData name="Lizethe Pérez Fuertes" userId="4ae9ef87-2a7d-42f8-8dfa-0a501a9e2ff4" providerId="ADAL" clId="{FDDD45CB-1330-4033-A842-3D2746AFF7C7}"/>
+    <pc:docChg chg="custSel addSld modSld">
+      <pc:chgData name="Lizethe Pérez Fuertes" userId="4ae9ef87-2a7d-42f8-8dfa-0a501a9e2ff4" providerId="ADAL" clId="{FDDD45CB-1330-4033-A842-3D2746AFF7C7}" dt="2025-08-29T19:28:37.167" v="86" actId="1076"/>
+      <pc:docMkLst>
+        <pc:docMk/>
+      </pc:docMkLst>
+      <pc:sldChg chg="modSp mod">
+        <pc:chgData name="Lizethe Pérez Fuertes" userId="4ae9ef87-2a7d-42f8-8dfa-0a501a9e2ff4" providerId="ADAL" clId="{FDDD45CB-1330-4033-A842-3D2746AFF7C7}" dt="2025-08-29T19:10:47.456" v="70" actId="1076"/>
+        <pc:sldMkLst>
+          <pc:docMk/>
+          <pc:sldMk cId="1674379023" sldId="602"/>
+        </pc:sldMkLst>
+        <pc:spChg chg="mod">
+          <ac:chgData name="Lizethe Pérez Fuertes" userId="4ae9ef87-2a7d-42f8-8dfa-0a501a9e2ff4" providerId="ADAL" clId="{FDDD45CB-1330-4033-A842-3D2746AFF7C7}" dt="2025-08-29T19:10:47.456" v="70" actId="1076"/>
+          <ac:spMkLst>
+            <pc:docMk/>
+            <pc:sldMk cId="1674379023" sldId="602"/>
+            <ac:spMk id="6" creationId="{00A8FDE6-4A3E-4FB3-9730-D3716FB038D5}"/>
+          </ac:spMkLst>
+        </pc:spChg>
+        <pc:spChg chg="mod">
+          <ac:chgData name="Lizethe Pérez Fuertes" userId="4ae9ef87-2a7d-42f8-8dfa-0a501a9e2ff4" providerId="ADAL" clId="{FDDD45CB-1330-4033-A842-3D2746AFF7C7}" dt="2025-08-29T19:10:37.851" v="67" actId="14100"/>
+          <ac:spMkLst>
+            <pc:docMk/>
+            <pc:sldMk cId="1674379023" sldId="602"/>
+            <ac:spMk id="9" creationId="{1F896577-4B60-4BA6-A121-97638A434181}"/>
+          </ac:spMkLst>
+        </pc:spChg>
+        <pc:spChg chg="mod">
+          <ac:chgData name="Lizethe Pérez Fuertes" userId="4ae9ef87-2a7d-42f8-8dfa-0a501a9e2ff4" providerId="ADAL" clId="{FDDD45CB-1330-4033-A842-3D2746AFF7C7}" dt="2025-08-29T19:10:42.371" v="68" actId="1076"/>
+          <ac:spMkLst>
+            <pc:docMk/>
+            <pc:sldMk cId="1674379023" sldId="602"/>
+            <ac:spMk id="10" creationId="{B73C42C7-85D9-4D9B-B558-211E4812A4BA}"/>
+          </ac:spMkLst>
+        </pc:spChg>
+        <pc:picChg chg="mod">
+          <ac:chgData name="Lizethe Pérez Fuertes" userId="4ae9ef87-2a7d-42f8-8dfa-0a501a9e2ff4" providerId="ADAL" clId="{FDDD45CB-1330-4033-A842-3D2746AFF7C7}" dt="2025-08-29T19:10:44.665" v="69" actId="1076"/>
+          <ac:picMkLst>
+            <pc:docMk/>
+            <pc:sldMk cId="1674379023" sldId="602"/>
+            <ac:picMk id="5" creationId="{FB8BFC6F-E8A3-4523-932A-E0C8FFD40C46}"/>
+          </ac:picMkLst>
+        </pc:picChg>
+      </pc:sldChg>
+      <pc:sldChg chg="modSp mod">
+        <pc:chgData name="Lizethe Pérez Fuertes" userId="4ae9ef87-2a7d-42f8-8dfa-0a501a9e2ff4" providerId="ADAL" clId="{FDDD45CB-1330-4033-A842-3D2746AFF7C7}" dt="2025-08-29T19:05:34.104" v="0" actId="1076"/>
+        <pc:sldMkLst>
+          <pc:docMk/>
+          <pc:sldMk cId="3312662471" sldId="646"/>
+        </pc:sldMkLst>
+        <pc:picChg chg="mod">
+          <ac:chgData name="Lizethe Pérez Fuertes" userId="4ae9ef87-2a7d-42f8-8dfa-0a501a9e2ff4" providerId="ADAL" clId="{FDDD45CB-1330-4033-A842-3D2746AFF7C7}" dt="2025-08-29T19:05:34.104" v="0" actId="1076"/>
+          <ac:picMkLst>
+            <pc:docMk/>
+            <pc:sldMk cId="3312662471" sldId="646"/>
+            <ac:picMk id="3" creationId="{630FF934-A9A5-42D2-AB01-2F33DAA193C4}"/>
+          </ac:picMkLst>
+        </pc:picChg>
+      </pc:sldChg>
+      <pc:sldChg chg="addSp modSp add mod">
+        <pc:chgData name="Lizethe Pérez Fuertes" userId="4ae9ef87-2a7d-42f8-8dfa-0a501a9e2ff4" providerId="ADAL" clId="{FDDD45CB-1330-4033-A842-3D2746AFF7C7}" dt="2025-08-29T19:28:37.167" v="86" actId="1076"/>
+        <pc:sldMkLst>
+          <pc:docMk/>
+          <pc:sldMk cId="2206757477" sldId="647"/>
+        </pc:sldMkLst>
+        <pc:spChg chg="add mod">
+          <ac:chgData name="Lizethe Pérez Fuertes" userId="4ae9ef87-2a7d-42f8-8dfa-0a501a9e2ff4" providerId="ADAL" clId="{FDDD45CB-1330-4033-A842-3D2746AFF7C7}" dt="2025-08-29T19:09:34.497" v="63" actId="12"/>
+          <ac:spMkLst>
+            <pc:docMk/>
+            <pc:sldMk cId="2206757477" sldId="647"/>
+            <ac:spMk id="4" creationId="{64E5AC4F-F553-1E7D-56B9-35DB015E2DE7}"/>
+          </ac:spMkLst>
+        </pc:spChg>
+        <pc:spChg chg="mod">
+          <ac:chgData name="Lizethe Pérez Fuertes" userId="4ae9ef87-2a7d-42f8-8dfa-0a501a9e2ff4" providerId="ADAL" clId="{FDDD45CB-1330-4033-A842-3D2746AFF7C7}" dt="2025-08-29T19:27:37.487" v="85" actId="14100"/>
+          <ac:spMkLst>
+            <pc:docMk/>
+            <pc:sldMk cId="2206757477" sldId="647"/>
+            <ac:spMk id="6" creationId="{55B72C59-3D23-DBA3-3DD7-4B14E3DFE15C}"/>
+          </ac:spMkLst>
+        </pc:spChg>
+        <pc:spChg chg="mod">
+          <ac:chgData name="Lizethe Pérez Fuertes" userId="4ae9ef87-2a7d-42f8-8dfa-0a501a9e2ff4" providerId="ADAL" clId="{FDDD45CB-1330-4033-A842-3D2746AFF7C7}" dt="2025-08-29T19:08:16.678" v="51" actId="20577"/>
+          <ac:spMkLst>
+            <pc:docMk/>
+            <pc:sldMk cId="2206757477" sldId="647"/>
+            <ac:spMk id="8" creationId="{6F59E072-939F-134B-44DE-F9F6F5A68348}"/>
+          </ac:spMkLst>
+        </pc:spChg>
+        <pc:picChg chg="mod">
+          <ac:chgData name="Lizethe Pérez Fuertes" userId="4ae9ef87-2a7d-42f8-8dfa-0a501a9e2ff4" providerId="ADAL" clId="{FDDD45CB-1330-4033-A842-3D2746AFF7C7}" dt="2025-08-29T19:28:37.167" v="86" actId="1076"/>
+          <ac:picMkLst>
+            <pc:docMk/>
+            <pc:sldMk cId="2206757477" sldId="647"/>
+            <ac:picMk id="3" creationId="{3071D3ED-EF92-34EA-C22C-1F5DDCCF6751}"/>
+          </ac:picMkLst>
+        </pc:picChg>
+      </pc:sldChg>
+    </pc:docChg>
+  </pc:docChgLst>
+</pc:chgInfo>
+</file>
+
 <file path=ppt/notesMasters/notesMaster1.xml><?xml version="1.0" encoding="utf-8"?>
 <p:notesMaster xmlns:a="http://schemas.openxmlformats.org/drawingml/2006/main" xmlns:r="http://schemas.openxmlformats.org/officeDocument/2006/relationships" xmlns:p="http://schemas.openxmlformats.org/presentationml/2006/main">
   <p:cSld>
@@ -215,7 +331,7 @@
           <a:p>
             <a:fld id="{DDE721D5-655F-45D2-B717-3C4CD78C8568}" type="datetimeFigureOut">
               <a:rPr lang="es-MX" smtClean="0"/>
-              <a:t>28/02/2025</a:t>
+              <a:t>29/08/2025</a:t>
             </a:fld>
             <a:endParaRPr lang="es-MX" dirty="0"/>
           </a:p>
@@ -374,7 +490,7 @@
           <a:p>
             <a:fld id="{6BAB4312-99A1-4CE9-ACE7-4C62E9FD90EE}" type="slidenum">
               <a:rPr lang="es-MX" smtClean="0"/>
-              <a:t>‹#›</a:t>
+              <a:t>‹Nº›</a:t>
             </a:fld>
             <a:endParaRPr lang="es-MX" dirty="0"/>
           </a:p>
@@ -664,7 +780,7 @@
           <a:p>
             <a:fld id="{B3F3E716-CACC-4490-AD07-F24B6A68DE47}" type="datetimeFigureOut">
               <a:rPr lang="es-MX" smtClean="0"/>
-              <a:t>28/02/2025</a:t>
+              <a:t>29/08/2025</a:t>
             </a:fld>
             <a:endParaRPr lang="es-MX" dirty="0"/>
           </a:p>
@@ -706,7 +822,7 @@
           <a:p>
             <a:fld id="{52A58D3C-5A37-463D-B2C9-8DF65AE0B01C}" type="slidenum">
               <a:rPr lang="es-MX" smtClean="0"/>
-              <a:t>‹#›</a:t>
+              <a:t>‹Nº›</a:t>
             </a:fld>
             <a:endParaRPr lang="es-MX" dirty="0"/>
           </a:p>
@@ -834,7 +950,7 @@
           <a:p>
             <a:fld id="{B3F3E716-CACC-4490-AD07-F24B6A68DE47}" type="datetimeFigureOut">
               <a:rPr lang="es-MX" smtClean="0"/>
-              <a:t>28/02/2025</a:t>
+              <a:t>29/08/2025</a:t>
             </a:fld>
             <a:endParaRPr lang="es-MX" dirty="0"/>
           </a:p>
@@ -876,7 +992,7 @@
           <a:p>
             <a:fld id="{52A58D3C-5A37-463D-B2C9-8DF65AE0B01C}" type="slidenum">
               <a:rPr lang="es-MX" smtClean="0"/>
-              <a:t>‹#›</a:t>
+              <a:t>‹Nº›</a:t>
             </a:fld>
             <a:endParaRPr lang="es-MX" dirty="0"/>
           </a:p>
@@ -1014,7 +1130,7 @@
           <a:p>
             <a:fld id="{B3F3E716-CACC-4490-AD07-F24B6A68DE47}" type="datetimeFigureOut">
               <a:rPr lang="es-MX" smtClean="0"/>
-              <a:t>28/02/2025</a:t>
+              <a:t>29/08/2025</a:t>
             </a:fld>
             <a:endParaRPr lang="es-MX" dirty="0"/>
           </a:p>
@@ -1056,7 +1172,7 @@
           <a:p>
             <a:fld id="{52A58D3C-5A37-463D-B2C9-8DF65AE0B01C}" type="slidenum">
               <a:rPr lang="es-MX" smtClean="0"/>
-              <a:t>‹#›</a:t>
+              <a:t>‹Nº›</a:t>
             </a:fld>
             <a:endParaRPr lang="es-MX" dirty="0"/>
           </a:p>
@@ -1167,7 +1283,7 @@
           <a:p>
             <a:fld id="{1D8BD707-D9CF-40AE-B4C6-C98DA3205C09}" type="datetimeFigureOut">
               <a:rPr lang="en-US" smtClean="0"/>
-              <a:t>2/28/2025</a:t>
+              <a:t>8/29/2025</a:t>
             </a:fld>
             <a:endParaRPr lang="en-US" dirty="0"/>
           </a:p>
@@ -1197,7 +1313,7 @@
                 <a:cs typeface="Calibri"/>
               </a:rPr>
               <a:pPr marL="25400"/>
-              <a:t>‹#›</a:t>
+              <a:t>‹Nº›</a:t>
             </a:fld>
             <a:endParaRPr lang="es-MX" dirty="0">
               <a:cs typeface="Calibri"/>
@@ -1496,7 +1612,7 @@
             <a:fld id="{D829B6A8-D253-4D4B-A3FA-70749FCD26F0}" type="slidenum">
               <a:rPr lang="es-ES" altLang="es-MX"/>
               <a:pPr/>
-              <a:t>‹#›</a:t>
+              <a:t>‹Nº›</a:t>
             </a:fld>
             <a:endParaRPr lang="es-ES" altLang="es-MX" dirty="0"/>
           </a:p>
@@ -1624,7 +1740,7 @@
           <a:p>
             <a:fld id="{B3F3E716-CACC-4490-AD07-F24B6A68DE47}" type="datetimeFigureOut">
               <a:rPr lang="es-MX" smtClean="0"/>
-              <a:t>28/02/2025</a:t>
+              <a:t>29/08/2025</a:t>
             </a:fld>
             <a:endParaRPr lang="es-MX" dirty="0"/>
           </a:p>
@@ -1666,7 +1782,7 @@
           <a:p>
             <a:fld id="{52A58D3C-5A37-463D-B2C9-8DF65AE0B01C}" type="slidenum">
               <a:rPr lang="es-MX" smtClean="0"/>
-              <a:t>‹#›</a:t>
+              <a:t>‹Nº›</a:t>
             </a:fld>
             <a:endParaRPr lang="es-MX" dirty="0"/>
           </a:p>
@@ -1870,7 +1986,7 @@
           <a:p>
             <a:fld id="{B3F3E716-CACC-4490-AD07-F24B6A68DE47}" type="datetimeFigureOut">
               <a:rPr lang="es-MX" smtClean="0"/>
-              <a:t>28/02/2025</a:t>
+              <a:t>29/08/2025</a:t>
             </a:fld>
             <a:endParaRPr lang="es-MX" dirty="0"/>
           </a:p>
@@ -1912,7 +2028,7 @@
           <a:p>
             <a:fld id="{52A58D3C-5A37-463D-B2C9-8DF65AE0B01C}" type="slidenum">
               <a:rPr lang="es-MX" smtClean="0"/>
-              <a:t>‹#›</a:t>
+              <a:t>‹Nº›</a:t>
             </a:fld>
             <a:endParaRPr lang="es-MX" dirty="0"/>
           </a:p>
@@ -2158,7 +2274,7 @@
           <a:p>
             <a:fld id="{B3F3E716-CACC-4490-AD07-F24B6A68DE47}" type="datetimeFigureOut">
               <a:rPr lang="es-MX" smtClean="0"/>
-              <a:t>28/02/2025</a:t>
+              <a:t>29/08/2025</a:t>
             </a:fld>
             <a:endParaRPr lang="es-MX" dirty="0"/>
           </a:p>
@@ -2200,7 +2316,7 @@
           <a:p>
             <a:fld id="{52A58D3C-5A37-463D-B2C9-8DF65AE0B01C}" type="slidenum">
               <a:rPr lang="es-MX" smtClean="0"/>
-              <a:t>‹#›</a:t>
+              <a:t>‹Nº›</a:t>
             </a:fld>
             <a:endParaRPr lang="es-MX" dirty="0"/>
           </a:p>
@@ -2580,7 +2696,7 @@
           <a:p>
             <a:fld id="{B3F3E716-CACC-4490-AD07-F24B6A68DE47}" type="datetimeFigureOut">
               <a:rPr lang="es-MX" smtClean="0"/>
-              <a:t>28/02/2025</a:t>
+              <a:t>29/08/2025</a:t>
             </a:fld>
             <a:endParaRPr lang="es-MX" dirty="0"/>
           </a:p>
@@ -2622,7 +2738,7 @@
           <a:p>
             <a:fld id="{52A58D3C-5A37-463D-B2C9-8DF65AE0B01C}" type="slidenum">
               <a:rPr lang="es-MX" smtClean="0"/>
-              <a:t>‹#›</a:t>
+              <a:t>‹Nº›</a:t>
             </a:fld>
             <a:endParaRPr lang="es-MX" dirty="0"/>
           </a:p>
@@ -2698,7 +2814,7 @@
           <a:p>
             <a:fld id="{B3F3E716-CACC-4490-AD07-F24B6A68DE47}" type="datetimeFigureOut">
               <a:rPr lang="es-MX" smtClean="0"/>
-              <a:t>28/02/2025</a:t>
+              <a:t>29/08/2025</a:t>
             </a:fld>
             <a:endParaRPr lang="es-MX" dirty="0"/>
           </a:p>
@@ -2740,7 +2856,7 @@
           <a:p>
             <a:fld id="{52A58D3C-5A37-463D-B2C9-8DF65AE0B01C}" type="slidenum">
               <a:rPr lang="es-MX" smtClean="0"/>
-              <a:t>‹#›</a:t>
+              <a:t>‹Nº›</a:t>
             </a:fld>
             <a:endParaRPr lang="es-MX" dirty="0"/>
           </a:p>
@@ -2793,7 +2909,7 @@
           <a:p>
             <a:fld id="{B3F3E716-CACC-4490-AD07-F24B6A68DE47}" type="datetimeFigureOut">
               <a:rPr lang="es-MX" smtClean="0"/>
-              <a:t>28/02/2025</a:t>
+              <a:t>29/08/2025</a:t>
             </a:fld>
             <a:endParaRPr lang="es-MX" dirty="0"/>
           </a:p>
@@ -2835,7 +2951,7 @@
           <a:p>
             <a:fld id="{52A58D3C-5A37-463D-B2C9-8DF65AE0B01C}" type="slidenum">
               <a:rPr lang="es-MX" smtClean="0"/>
-              <a:t>‹#›</a:t>
+              <a:t>‹Nº›</a:t>
             </a:fld>
             <a:endParaRPr lang="es-MX" dirty="0"/>
           </a:p>
@@ -3070,7 +3186,7 @@
           <a:p>
             <a:fld id="{B3F3E716-CACC-4490-AD07-F24B6A68DE47}" type="datetimeFigureOut">
               <a:rPr lang="es-MX" smtClean="0"/>
-              <a:t>28/02/2025</a:t>
+              <a:t>29/08/2025</a:t>
             </a:fld>
             <a:endParaRPr lang="es-MX" dirty="0"/>
           </a:p>
@@ -3112,7 +3228,7 @@
           <a:p>
             <a:fld id="{52A58D3C-5A37-463D-B2C9-8DF65AE0B01C}" type="slidenum">
               <a:rPr lang="es-MX" smtClean="0"/>
-              <a:t>‹#›</a:t>
+              <a:t>‹Nº›</a:t>
             </a:fld>
             <a:endParaRPr lang="es-MX" dirty="0"/>
           </a:p>
@@ -3323,7 +3439,7 @@
           <a:p>
             <a:fld id="{B3F3E716-CACC-4490-AD07-F24B6A68DE47}" type="datetimeFigureOut">
               <a:rPr lang="es-MX" smtClean="0"/>
-              <a:t>28/02/2025</a:t>
+              <a:t>29/08/2025</a:t>
             </a:fld>
             <a:endParaRPr lang="es-MX" dirty="0"/>
           </a:p>
@@ -3365,7 +3481,7 @@
           <a:p>
             <a:fld id="{52A58D3C-5A37-463D-B2C9-8DF65AE0B01C}" type="slidenum">
               <a:rPr lang="es-MX" smtClean="0"/>
-              <a:t>‹#›</a:t>
+              <a:t>‹Nº›</a:t>
             </a:fld>
             <a:endParaRPr lang="es-MX" dirty="0"/>
           </a:p>
@@ -3536,7 +3652,7 @@
           <a:p>
             <a:fld id="{B3F3E716-CACC-4490-AD07-F24B6A68DE47}" type="datetimeFigureOut">
               <a:rPr lang="es-MX" smtClean="0"/>
-              <a:t>28/02/2025</a:t>
+              <a:t>29/08/2025</a:t>
             </a:fld>
             <a:endParaRPr lang="es-MX" dirty="0"/>
           </a:p>
@@ -3614,7 +3730,7 @@
           <a:p>
             <a:fld id="{52A58D3C-5A37-463D-B2C9-8DF65AE0B01C}" type="slidenum">
               <a:rPr lang="es-MX" smtClean="0"/>
-              <a:t>‹#›</a:t>
+              <a:t>‹Nº›</a:t>
             </a:fld>
             <a:endParaRPr lang="es-MX" dirty="0"/>
           </a:p>
@@ -4521,7 +4637,7 @@
         </p:blipFill>
         <p:spPr>
           <a:xfrm>
-            <a:off x="2051720" y="3501008"/>
+            <a:off x="2195736" y="3501008"/>
             <a:ext cx="5400675" cy="3209925"/>
           </a:xfrm>
           <a:prstGeom prst="rect">
@@ -4547,6 +4663,479 @@
   <p:cSld>
     <p:spTree>
       <p:nvGrpSpPr>
+        <p:cNvPr id="1" name="">
+          <a:extLst>
+            <a:ext uri="{FF2B5EF4-FFF2-40B4-BE49-F238E27FC236}">
+              <a16:creationId xmlns:a16="http://schemas.microsoft.com/office/drawing/2014/main" id="{F748D9F1-E7E2-9F14-2624-6EFA9CA75D84}"/>
+            </a:ext>
+          </a:extLst>
+        </p:cNvPr>
+        <p:cNvGrpSpPr/>
+        <p:nvPr/>
+      </p:nvGrpSpPr>
+      <p:grpSpPr>
+        <a:xfrm>
+          <a:off x="0" y="0"/>
+          <a:ext cx="0" cy="0"/>
+          <a:chOff x="0" y="0"/>
+          <a:chExt cx="0" cy="0"/>
+        </a:xfrm>
+      </p:grpSpPr>
+      <p:sp>
+        <p:nvSpPr>
+          <p:cNvPr id="6" name="Rectangle 2">
+            <a:extLst>
+              <a:ext uri="{FF2B5EF4-FFF2-40B4-BE49-F238E27FC236}">
+                <a16:creationId xmlns:a16="http://schemas.microsoft.com/office/drawing/2014/main" id="{55B72C59-3D23-DBA3-3DD7-4B14E3DFE15C}"/>
+              </a:ext>
+            </a:extLst>
+          </p:cNvPr>
+          <p:cNvSpPr>
+            <a:spLocks noGrp="1" noChangeArrowheads="1"/>
+          </p:cNvSpPr>
+          <p:nvPr>
+            <p:ph type="title"/>
+          </p:nvPr>
+        </p:nvSpPr>
+        <p:spPr>
+          <a:xfrm>
+            <a:off x="323528" y="105222"/>
+            <a:ext cx="8352929" cy="1143001"/>
+          </a:xfrm>
+        </p:spPr>
+        <p:txBody>
+          <a:bodyPr>
+            <a:normAutofit/>
+          </a:bodyPr>
+          <a:lstStyle/>
+          <a:p>
+            <a:pPr algn="ctr"/>
+            <a:r>
+              <a:rPr lang="es-ES_tradnl" altLang="es-MX" b="1" dirty="0">
+                <a:solidFill>
+                  <a:schemeClr val="accent4">
+                    <a:lumMod val="50000"/>
+                  </a:schemeClr>
+                </a:solidFill>
+                <a:effectLst>
+                  <a:outerShdw blurRad="38100" dist="38100" dir="2700000" algn="tl">
+                    <a:srgbClr val="C0C0C0"/>
+                  </a:outerShdw>
+                </a:effectLst>
+                <a:latin typeface="Dom Casual" charset="0"/>
+              </a:rPr>
+              <a:t>Importancia de la encapsulación</a:t>
+            </a:r>
+          </a:p>
+        </p:txBody>
+      </p:sp>
+      <p:sp>
+        <p:nvSpPr>
+          <p:cNvPr id="8" name="Rectangle 3">
+            <a:extLst>
+              <a:ext uri="{FF2B5EF4-FFF2-40B4-BE49-F238E27FC236}">
+                <a16:creationId xmlns:a16="http://schemas.microsoft.com/office/drawing/2014/main" id="{6F59E072-939F-134B-44DE-F9F6F5A68348}"/>
+              </a:ext>
+            </a:extLst>
+          </p:cNvPr>
+          <p:cNvSpPr txBox="1">
+            <a:spLocks noChangeArrowheads="1"/>
+          </p:cNvSpPr>
+          <p:nvPr/>
+        </p:nvSpPr>
+        <p:spPr>
+          <a:xfrm>
+            <a:off x="179512" y="1340768"/>
+            <a:ext cx="8352928" cy="2285999"/>
+          </a:xfrm>
+          <a:prstGeom prst="rect">
+            <a:avLst/>
+          </a:prstGeom>
+        </p:spPr>
+        <p:txBody>
+          <a:bodyPr vert="horz" lIns="91440" tIns="45720" rIns="91440" bIns="45720" rtlCol="0">
+            <a:noAutofit/>
+          </a:bodyPr>
+          <a:lstStyle>
+            <a:lvl1pPr marL="342900" indent="-342900" algn="l" defTabSz="914400" rtl="0" eaLnBrk="1" latinLnBrk="0" hangingPunct="1">
+              <a:spcBef>
+                <a:spcPct val="20000"/>
+              </a:spcBef>
+              <a:buFont typeface="Arial" pitchFamily="34" charset="0"/>
+              <a:buChar char="•"/>
+              <a:defRPr sz="3200" kern="1200">
+                <a:solidFill>
+                  <a:schemeClr val="tx1"/>
+                </a:solidFill>
+                <a:latin typeface="+mn-lt"/>
+                <a:ea typeface="+mn-ea"/>
+                <a:cs typeface="+mn-cs"/>
+              </a:defRPr>
+            </a:lvl1pPr>
+            <a:lvl2pPr marL="742950" indent="-285750" algn="l" defTabSz="914400" rtl="0" eaLnBrk="1" latinLnBrk="0" hangingPunct="1">
+              <a:spcBef>
+                <a:spcPct val="20000"/>
+              </a:spcBef>
+              <a:buFont typeface="Arial" pitchFamily="34" charset="0"/>
+              <a:buChar char="–"/>
+              <a:defRPr sz="2800" kern="1200">
+                <a:solidFill>
+                  <a:schemeClr val="tx1"/>
+                </a:solidFill>
+                <a:latin typeface="+mn-lt"/>
+                <a:ea typeface="+mn-ea"/>
+                <a:cs typeface="+mn-cs"/>
+              </a:defRPr>
+            </a:lvl2pPr>
+            <a:lvl3pPr marL="1143000" indent="-228600" algn="l" defTabSz="914400" rtl="0" eaLnBrk="1" latinLnBrk="0" hangingPunct="1">
+              <a:spcBef>
+                <a:spcPct val="20000"/>
+              </a:spcBef>
+              <a:buFont typeface="Arial" pitchFamily="34" charset="0"/>
+              <a:buChar char="•"/>
+              <a:defRPr sz="2400" kern="1200">
+                <a:solidFill>
+                  <a:schemeClr val="tx1"/>
+                </a:solidFill>
+                <a:latin typeface="+mn-lt"/>
+                <a:ea typeface="+mn-ea"/>
+                <a:cs typeface="+mn-cs"/>
+              </a:defRPr>
+            </a:lvl3pPr>
+            <a:lvl4pPr marL="1600200" indent="-228600" algn="l" defTabSz="914400" rtl="0" eaLnBrk="1" latinLnBrk="0" hangingPunct="1">
+              <a:spcBef>
+                <a:spcPct val="20000"/>
+              </a:spcBef>
+              <a:buFont typeface="Arial" pitchFamily="34" charset="0"/>
+              <a:buChar char="–"/>
+              <a:defRPr sz="2000" kern="1200">
+                <a:solidFill>
+                  <a:schemeClr val="tx1"/>
+                </a:solidFill>
+                <a:latin typeface="+mn-lt"/>
+                <a:ea typeface="+mn-ea"/>
+                <a:cs typeface="+mn-cs"/>
+              </a:defRPr>
+            </a:lvl4pPr>
+            <a:lvl5pPr marL="2057400" indent="-228600" algn="l" defTabSz="914400" rtl="0" eaLnBrk="1" latinLnBrk="0" hangingPunct="1">
+              <a:spcBef>
+                <a:spcPct val="20000"/>
+              </a:spcBef>
+              <a:buFont typeface="Arial" pitchFamily="34" charset="0"/>
+              <a:buChar char="»"/>
+              <a:defRPr sz="2000" kern="1200">
+                <a:solidFill>
+                  <a:schemeClr val="tx1"/>
+                </a:solidFill>
+                <a:latin typeface="+mn-lt"/>
+                <a:ea typeface="+mn-ea"/>
+                <a:cs typeface="+mn-cs"/>
+              </a:defRPr>
+            </a:lvl5pPr>
+            <a:lvl6pPr marL="2514600" indent="-228600" algn="l" defTabSz="914400" rtl="0" eaLnBrk="1" latinLnBrk="0" hangingPunct="1">
+              <a:spcBef>
+                <a:spcPct val="20000"/>
+              </a:spcBef>
+              <a:buFont typeface="Arial" pitchFamily="34" charset="0"/>
+              <a:buChar char="•"/>
+              <a:defRPr sz="2000" kern="1200">
+                <a:solidFill>
+                  <a:schemeClr val="tx1"/>
+                </a:solidFill>
+                <a:latin typeface="+mn-lt"/>
+                <a:ea typeface="+mn-ea"/>
+                <a:cs typeface="+mn-cs"/>
+              </a:defRPr>
+            </a:lvl6pPr>
+            <a:lvl7pPr marL="2971800" indent="-228600" algn="l" defTabSz="914400" rtl="0" eaLnBrk="1" latinLnBrk="0" hangingPunct="1">
+              <a:spcBef>
+                <a:spcPct val="20000"/>
+              </a:spcBef>
+              <a:buFont typeface="Arial" pitchFamily="34" charset="0"/>
+              <a:buChar char="•"/>
+              <a:defRPr sz="2000" kern="1200">
+                <a:solidFill>
+                  <a:schemeClr val="tx1"/>
+                </a:solidFill>
+                <a:latin typeface="+mn-lt"/>
+                <a:ea typeface="+mn-ea"/>
+                <a:cs typeface="+mn-cs"/>
+              </a:defRPr>
+            </a:lvl7pPr>
+            <a:lvl8pPr marL="3429000" indent="-228600" algn="l" defTabSz="914400" rtl="0" eaLnBrk="1" latinLnBrk="0" hangingPunct="1">
+              <a:spcBef>
+                <a:spcPct val="20000"/>
+              </a:spcBef>
+              <a:buFont typeface="Arial" pitchFamily="34" charset="0"/>
+              <a:buChar char="•"/>
+              <a:defRPr sz="2000" kern="1200">
+                <a:solidFill>
+                  <a:schemeClr val="tx1"/>
+                </a:solidFill>
+                <a:latin typeface="+mn-lt"/>
+                <a:ea typeface="+mn-ea"/>
+                <a:cs typeface="+mn-cs"/>
+              </a:defRPr>
+            </a:lvl8pPr>
+            <a:lvl9pPr marL="3886200" indent="-228600" algn="l" defTabSz="914400" rtl="0" eaLnBrk="1" latinLnBrk="0" hangingPunct="1">
+              <a:spcBef>
+                <a:spcPct val="20000"/>
+              </a:spcBef>
+              <a:buFont typeface="Arial" pitchFamily="34" charset="0"/>
+              <a:buChar char="•"/>
+              <a:defRPr sz="2000" kern="1200">
+                <a:solidFill>
+                  <a:schemeClr val="tx1"/>
+                </a:solidFill>
+                <a:latin typeface="+mn-lt"/>
+                <a:ea typeface="+mn-ea"/>
+                <a:cs typeface="+mn-cs"/>
+              </a:defRPr>
+            </a:lvl9pPr>
+          </a:lstStyle>
+          <a:p>
+            <a:pPr algn="just">
+              <a:lnSpc>
+                <a:spcPct val="150000"/>
+              </a:lnSpc>
+              <a:spcBef>
+                <a:spcPct val="0"/>
+              </a:spcBef>
+            </a:pPr>
+            <a:r>
+              <a:rPr lang="es-MX" sz="1600" dirty="0">
+                <a:solidFill>
+                  <a:schemeClr val="bg2">
+                    <a:lumMod val="10000"/>
+                  </a:schemeClr>
+                </a:solidFill>
+                <a:latin typeface="Dom Casual" charset="0"/>
+              </a:rPr>
+              <a:t>La encapsulación es importante en la POO porque </a:t>
+            </a:r>
+            <a:r>
+              <a:rPr lang="es-MX" sz="1600" b="1" dirty="0">
+                <a:solidFill>
+                  <a:schemeClr val="accent6">
+                    <a:lumMod val="75000"/>
+                  </a:schemeClr>
+                </a:solidFill>
+                <a:latin typeface="Dom Casual" charset="0"/>
+              </a:rPr>
+              <a:t>protege la integridad de los datos</a:t>
+            </a:r>
+            <a:r>
+              <a:rPr lang="es-MX" sz="1600" dirty="0">
+                <a:solidFill>
+                  <a:schemeClr val="bg2">
+                    <a:lumMod val="10000"/>
+                  </a:schemeClr>
+                </a:solidFill>
+                <a:latin typeface="Dom Casual" charset="0"/>
+              </a:rPr>
+              <a:t> al permitir el acceso solo a través de métodos específicos de la clase, lo que mejora la </a:t>
+            </a:r>
+            <a:r>
+              <a:rPr lang="es-MX" sz="1600" b="1" dirty="0">
+                <a:solidFill>
+                  <a:schemeClr val="bg2">
+                    <a:lumMod val="10000"/>
+                  </a:schemeClr>
+                </a:solidFill>
+                <a:latin typeface="Dom Casual" charset="0"/>
+              </a:rPr>
+              <a:t>seguridad</a:t>
+            </a:r>
+            <a:r>
+              <a:rPr lang="es-MX" sz="1600" dirty="0">
+                <a:solidFill>
+                  <a:schemeClr val="bg2">
+                    <a:lumMod val="10000"/>
+                  </a:schemeClr>
+                </a:solidFill>
+                <a:latin typeface="Dom Casual" charset="0"/>
+              </a:rPr>
+              <a:t> y </a:t>
+            </a:r>
+            <a:r>
+              <a:rPr lang="es-MX" sz="1600" b="1" dirty="0">
+                <a:solidFill>
+                  <a:schemeClr val="bg2">
+                    <a:lumMod val="10000"/>
+                  </a:schemeClr>
+                </a:solidFill>
+                <a:latin typeface="Dom Casual" charset="0"/>
+              </a:rPr>
+              <a:t>evita modificaciones accidentales</a:t>
+            </a:r>
+            <a:r>
+              <a:rPr lang="es-MX" sz="1600" dirty="0">
+                <a:solidFill>
+                  <a:schemeClr val="bg2">
+                    <a:lumMod val="10000"/>
+                  </a:schemeClr>
+                </a:solidFill>
+                <a:latin typeface="Dom Casual" charset="0"/>
+              </a:rPr>
+              <a:t>. </a:t>
+            </a:r>
+          </a:p>
+          <a:p>
+            <a:pPr algn="just">
+              <a:lnSpc>
+                <a:spcPct val="150000"/>
+              </a:lnSpc>
+              <a:spcBef>
+                <a:spcPct val="0"/>
+              </a:spcBef>
+            </a:pPr>
+            <a:r>
+              <a:rPr lang="es-MX" sz="1600" dirty="0">
+                <a:solidFill>
+                  <a:schemeClr val="bg2">
+                    <a:lumMod val="10000"/>
+                  </a:schemeClr>
+                </a:solidFill>
+                <a:latin typeface="Dom Casual" charset="0"/>
+              </a:rPr>
+              <a:t>Además, facilita la organización, legibilidad y mantenimiento del código, al ocultar los detalles internos de un objeto y permitir cambios en su implementación sin afectar otras partes del sistema. </a:t>
+            </a:r>
+            <a:endParaRPr lang="es-ES_tradnl" altLang="es-MX" sz="1600" dirty="0">
+              <a:solidFill>
+                <a:schemeClr val="bg2">
+                  <a:lumMod val="10000"/>
+                </a:schemeClr>
+              </a:solidFill>
+              <a:latin typeface="Dom Casual" charset="0"/>
+            </a:endParaRPr>
+          </a:p>
+        </p:txBody>
+      </p:sp>
+      <p:pic>
+        <p:nvPicPr>
+          <p:cNvPr id="3" name="Imagen 2">
+            <a:extLst>
+              <a:ext uri="{FF2B5EF4-FFF2-40B4-BE49-F238E27FC236}">
+                <a16:creationId xmlns:a16="http://schemas.microsoft.com/office/drawing/2014/main" id="{3071D3ED-EF92-34EA-C22C-1F5DDCCF6751}"/>
+              </a:ext>
+            </a:extLst>
+          </p:cNvPr>
+          <p:cNvPicPr>
+            <a:picLocks noChangeAspect="1"/>
+          </p:cNvPicPr>
+          <p:nvPr/>
+        </p:nvPicPr>
+        <p:blipFill>
+          <a:blip r:embed="rId2"/>
+          <a:stretch>
+            <a:fillRect/>
+          </a:stretch>
+        </p:blipFill>
+        <p:spPr>
+          <a:xfrm>
+            <a:off x="7066938" y="5860695"/>
+            <a:ext cx="1500923" cy="892083"/>
+          </a:xfrm>
+          <a:prstGeom prst="rect">
+            <a:avLst/>
+          </a:prstGeom>
+        </p:spPr>
+      </p:pic>
+      <p:sp>
+        <p:nvSpPr>
+          <p:cNvPr id="4" name="CuadroTexto 3">
+            <a:extLst>
+              <a:ext uri="{FF2B5EF4-FFF2-40B4-BE49-F238E27FC236}">
+                <a16:creationId xmlns:a16="http://schemas.microsoft.com/office/drawing/2014/main" id="{64E5AC4F-F553-1E7D-56B9-35DB015E2DE7}"/>
+              </a:ext>
+            </a:extLst>
+          </p:cNvPr>
+          <p:cNvSpPr txBox="1"/>
+          <p:nvPr/>
+        </p:nvSpPr>
+        <p:spPr>
+          <a:xfrm>
+            <a:off x="485546" y="3719312"/>
+            <a:ext cx="8172907" cy="2372701"/>
+          </a:xfrm>
+          <a:prstGeom prst="rect">
+            <a:avLst/>
+          </a:prstGeom>
+          <a:noFill/>
+        </p:spPr>
+        <p:txBody>
+          <a:bodyPr wrap="square">
+            <a:spAutoFit/>
+          </a:bodyPr>
+          <a:lstStyle/>
+          <a:p>
+            <a:pPr algn="just">
+              <a:lnSpc>
+                <a:spcPct val="150000"/>
+              </a:lnSpc>
+              <a:spcBef>
+                <a:spcPct val="0"/>
+              </a:spcBef>
+              <a:spcAft>
+                <a:spcPts val="800"/>
+              </a:spcAft>
+            </a:pPr>
+            <a:r>
+              <a:rPr lang="es-MX" sz="1600" b="1" dirty="0">
+                <a:solidFill>
+                  <a:schemeClr val="bg2">
+                    <a:lumMod val="10000"/>
+                  </a:schemeClr>
+                </a:solidFill>
+                <a:latin typeface="Dom Casual" charset="0"/>
+              </a:rPr>
+              <a:t>Ejemplo para entenderlo:</a:t>
+            </a:r>
+          </a:p>
+          <a:p>
+            <a:pPr algn="just">
+              <a:lnSpc>
+                <a:spcPct val="150000"/>
+              </a:lnSpc>
+              <a:spcBef>
+                <a:spcPct val="0"/>
+              </a:spcBef>
+              <a:spcAft>
+                <a:spcPts val="800"/>
+              </a:spcAft>
+            </a:pPr>
+            <a:r>
+              <a:rPr lang="es-MX" sz="1600" dirty="0">
+                <a:solidFill>
+                  <a:schemeClr val="bg2">
+                    <a:lumMod val="10000"/>
+                  </a:schemeClr>
+                </a:solidFill>
+                <a:latin typeface="Dom Casual" charset="0"/>
+              </a:rPr>
+              <a:t>Piensa en la interfaz de un coche. Para conducir un coche, no necesitas saber cómo funciona exactamente el motor o la transmisión. Solo necesitas interactuar con los controles (volante, pedales) que están expuestos en su interfaz. La encapsulación funciona de manera similar, ocultando los complejos detalles internos del objeto y proporcionando una interfaz simple y controlada para interactuar con él. </a:t>
+            </a:r>
+          </a:p>
+        </p:txBody>
+      </p:sp>
+    </p:spTree>
+    <p:extLst>
+      <p:ext uri="{BB962C8B-B14F-4D97-AF65-F5344CB8AC3E}">
+        <p14:creationId xmlns:p14="http://schemas.microsoft.com/office/powerpoint/2010/main" val="2206757477"/>
+      </p:ext>
+    </p:extLst>
+  </p:cSld>
+  <p:clrMapOvr>
+    <a:masterClrMapping/>
+  </p:clrMapOvr>
+</p:sld>
+</file>
+
+<file path=ppt/slides/slide4.xml><?xml version="1.0" encoding="utf-8"?>
+<p:sld xmlns:a="http://schemas.openxmlformats.org/drawingml/2006/main" xmlns:r="http://schemas.openxmlformats.org/officeDocument/2006/relationships" xmlns:p="http://schemas.openxmlformats.org/presentationml/2006/main">
+  <p:cSld>
+    <p:spTree>
+      <p:nvGrpSpPr>
         <p:cNvPr id="1" name=""/>
         <p:cNvGrpSpPr/>
         <p:nvPr/>
@@ -4636,8 +5225,8 @@
         </p:nvSpPr>
         <p:spPr>
           <a:xfrm>
-            <a:off x="395536" y="889323"/>
-            <a:ext cx="8424936" cy="1028102"/>
+            <a:off x="107504" y="889323"/>
+            <a:ext cx="8712968" cy="707501"/>
           </a:xfrm>
           <a:prstGeom prst="rect">
             <a:avLst/>
@@ -4690,7 +5279,7 @@
         </p:nvSpPr>
         <p:spPr>
           <a:xfrm>
-            <a:off x="251520" y="2060848"/>
+            <a:off x="215516" y="1844824"/>
             <a:ext cx="8496944" cy="1989904"/>
           </a:xfrm>
           <a:prstGeom prst="rect">
@@ -4805,7 +5394,7 @@
         </p:blipFill>
         <p:spPr>
           <a:xfrm>
-            <a:off x="611560" y="4269033"/>
+            <a:off x="611560" y="4082728"/>
             <a:ext cx="6191250" cy="2085975"/>
           </a:xfrm>
           <a:prstGeom prst="rect">
@@ -4827,7 +5416,7 @@
         </p:nvSpPr>
         <p:spPr>
           <a:xfrm>
-            <a:off x="1402928" y="4701081"/>
+            <a:off x="1402928" y="4509120"/>
             <a:ext cx="2304257" cy="288032"/>
           </a:xfrm>
           <a:prstGeom prst="rect">
@@ -4873,7 +5462,7 @@
 </p:sld>
 </file>
 
-<file path=ppt/slides/slide4.xml><?xml version="1.0" encoding="utf-8"?>
+<file path=ppt/slides/slide5.xml><?xml version="1.0" encoding="utf-8"?>
 <p:sld xmlns:a="http://schemas.openxmlformats.org/drawingml/2006/main" xmlns:r="http://schemas.openxmlformats.org/officeDocument/2006/relationships" xmlns:p="http://schemas.openxmlformats.org/presentationml/2006/main">
   <p:cSld>
     <p:spTree>
@@ -5340,7 +5929,7 @@
 </p:sld>
 </file>
 
-<file path=ppt/slides/slide5.xml><?xml version="1.0" encoding="utf-8"?>
+<file path=ppt/slides/slide6.xml><?xml version="1.0" encoding="utf-8"?>
 <p:sld xmlns:a="http://schemas.openxmlformats.org/drawingml/2006/main" xmlns:r="http://schemas.openxmlformats.org/officeDocument/2006/relationships" xmlns:p="http://schemas.openxmlformats.org/presentationml/2006/main">
   <p:cSld>
     <p:spTree>
@@ -5892,7 +6481,7 @@
 </p:sld>
 </file>
 
-<file path=ppt/slides/slide6.xml><?xml version="1.0" encoding="utf-8"?>
+<file path=ppt/slides/slide7.xml><?xml version="1.0" encoding="utf-8"?>
 <p:sld xmlns:a="http://schemas.openxmlformats.org/drawingml/2006/main" xmlns:r="http://schemas.openxmlformats.org/officeDocument/2006/relationships" xmlns:p="http://schemas.openxmlformats.org/presentationml/2006/main">
   <p:cSld>
     <p:spTree>
@@ -8210,7 +8799,7 @@
 </p:sld>
 </file>
 
-<file path=ppt/slides/slide7.xml><?xml version="1.0" encoding="utf-8"?>
+<file path=ppt/slides/slide8.xml><?xml version="1.0" encoding="utf-8"?>
 <p:sld xmlns:a="http://schemas.openxmlformats.org/drawingml/2006/main" xmlns:r="http://schemas.openxmlformats.org/officeDocument/2006/relationships" xmlns:p="http://schemas.openxmlformats.org/presentationml/2006/main">
   <p:cSld>
     <p:spTree>
@@ -8457,7 +9046,7 @@
 </p:sld>
 </file>
 
-<file path=ppt/slides/slide8.xml><?xml version="1.0" encoding="utf-8"?>
+<file path=ppt/slides/slide9.xml><?xml version="1.0" encoding="utf-8"?>
 <p:sld xmlns:a="http://schemas.openxmlformats.org/drawingml/2006/main" xmlns:r="http://schemas.openxmlformats.org/officeDocument/2006/relationships" xmlns:p="http://schemas.openxmlformats.org/presentationml/2006/main">
   <p:cSld>
     <p:spTree>
@@ -9681,7 +10270,7 @@
                 <a:cs typeface="Calibri"/>
               </a:rPr>
               <a:pPr marL="25400"/>
-              <a:t>8</a:t>
+              <a:t>9</a:t>
             </a:fld>
             <a:endParaRPr dirty="0">
               <a:latin typeface="Calibri"/>
